--- a/aulas/gsi526/aula16-padroes-de-projeto.pptx
+++ b/aulas/gsi526/aula16-padroes-de-projeto.pptx
@@ -11059,7 +11059,19 @@
             <a:pPr lvl="0"/>
             <a:r>
               <a:rPr lang="pt-BR" sz="3200" b="1" dirty="0"/>
-              <a:t>Padrões de Projeto</a:t>
+              <a:t>Padrões de </a:t>
+            </a:r>
+            <a:r>
+              <a:rPr lang="pt-BR" sz="3200" b="1" dirty="0" smtClean="0"/>
+              <a:t>Projeto (</a:t>
+            </a:r>
+            <a:r>
+              <a:rPr lang="pt-BR" sz="3200" b="1" i="1" dirty="0" smtClean="0"/>
+              <a:t>Design Patterns</a:t>
+            </a:r>
+            <a:r>
+              <a:rPr lang="pt-BR" sz="3200" b="1" dirty="0" smtClean="0"/>
+              <a:t>)</a:t>
             </a:r>
             <a:r>
               <a:rPr lang="pt-BR" sz="2400" b="1" dirty="0"/>
